--- a/Practica1/memoria/TrabajoJoaquin/ExplicacionMaxOfT.pptx
+++ b/Practica1/memoria/TrabajoJoaquin/ExplicacionMaxOfT.pptx
@@ -5,7 +5,7 @@
     <p:sldMasterId id="2147483648" r:id="rId1"/>
   </p:sldMasterIdLst>
   <p:notesMasterIdLst>
-    <p:notesMasterId r:id="rId15"/>
+    <p:notesMasterId r:id="rId16"/>
   </p:notesMasterIdLst>
   <p:sldIdLst>
     <p:sldId id="256" r:id="rId2"/>
@@ -21,6 +21,7 @@
     <p:sldId id="303" r:id="rId12"/>
     <p:sldId id="302" r:id="rId13"/>
     <p:sldId id="304" r:id="rId14"/>
+    <p:sldId id="305" r:id="rId15"/>
   </p:sldIdLst>
   <p:sldSz cx="12192000" cy="6858000"/>
   <p:notesSz cx="6858000" cy="9144000"/>
@@ -145,6 +146,7 @@
             <p14:sldId id="303"/>
             <p14:sldId id="302"/>
             <p14:sldId id="304"/>
+            <p14:sldId id="305"/>
           </p14:sldIdLst>
         </p14:section>
         <p14:section name="Conclusiones" id="{ADFB06B1-8CC5-4F31-BE58-7841DDD561E2}">
@@ -162,6 +164,7 @@
 <file path=ppt/revisionInfo.xml><?xml version="1.0" encoding="utf-8"?>
 <p1510:revInfo xmlns:a="http://schemas.openxmlformats.org/drawingml/2006/main" xmlns:r="http://schemas.openxmlformats.org/officeDocument/2006/relationships" xmlns:p1510="http://schemas.microsoft.com/office/powerpoint/2015/10/main">
   <p1510:revLst>
+    <p1510:client id="{33BEE99A-377C-4833-9000-DA79E0E48E3E}" v="243" dt="2021-10-05T12:35:57.623"/>
     <p1510:client id="{7F719FAF-40EB-4CEE-B0B7-B10A10FEDF9D}" v="1133" dt="2021-10-01T09:59:36.842"/>
     <p1510:client id="{92867372-EBA0-41BB-8ACF-19CDECC1C19A}" v="620" dt="2021-10-01T20:56:29.798"/>
     <p1510:client id="{AB60C5B4-4AAE-4F7B-97C0-50FF69D98732}" v="29" dt="2021-10-01T15:16:34.581"/>
@@ -172,6 +175,102 @@
 
 <file path=ppt/changesInfos/changesInfo1.xml><?xml version="1.0" encoding="utf-8"?>
 <pc:chgInfo xmlns:a="http://schemas.openxmlformats.org/drawingml/2006/main" xmlns:r="http://schemas.openxmlformats.org/officeDocument/2006/relationships" xmlns:ac="http://schemas.microsoft.com/office/drawing/2013/main/command" xmlns:pc="http://schemas.microsoft.com/office/powerpoint/2013/main/command">
+  <pc:docChgLst>
+    <pc:chgData name="Usuario invitado" providerId="Windows Live" clId="Web-{33BEE99A-377C-4833-9000-DA79E0E48E3E}"/>
+    <pc:docChg chg="addSld modSld modSection">
+      <pc:chgData name="Usuario invitado" userId="" providerId="Windows Live" clId="Web-{33BEE99A-377C-4833-9000-DA79E0E48E3E}" dt="2021-10-05T12:35:57.623" v="142" actId="14100"/>
+      <pc:docMkLst>
+        <pc:docMk/>
+      </pc:docMkLst>
+      <pc:sldChg chg="addSp delSp modSp add replId">
+        <pc:chgData name="Usuario invitado" userId="" providerId="Windows Live" clId="Web-{33BEE99A-377C-4833-9000-DA79E0E48E3E}" dt="2021-10-05T12:35:57.623" v="142" actId="14100"/>
+        <pc:sldMkLst>
+          <pc:docMk/>
+          <pc:sldMk cId="3678915852" sldId="305"/>
+        </pc:sldMkLst>
+        <pc:spChg chg="mod">
+          <ac:chgData name="Usuario invitado" userId="" providerId="Windows Live" clId="Web-{33BEE99A-377C-4833-9000-DA79E0E48E3E}" dt="2021-10-05T12:27:23.455" v="12" actId="20577"/>
+          <ac:spMkLst>
+            <pc:docMk/>
+            <pc:sldMk cId="3678915852" sldId="305"/>
+            <ac:spMk id="2" creationId="{9AE3B19C-5EFA-4864-BCDE-9F4759131C26}"/>
+          </ac:spMkLst>
+        </pc:spChg>
+        <pc:spChg chg="add mod">
+          <ac:chgData name="Usuario invitado" userId="" providerId="Windows Live" clId="Web-{33BEE99A-377C-4833-9000-DA79E0E48E3E}" dt="2021-10-05T12:34:08.839" v="130" actId="1076"/>
+          <ac:spMkLst>
+            <pc:docMk/>
+            <pc:sldMk cId="3678915852" sldId="305"/>
+            <ac:spMk id="3" creationId="{A44F9D6B-FEBD-43C1-AC52-3976DDF97A42}"/>
+          </ac:spMkLst>
+        </pc:spChg>
+        <pc:picChg chg="del">
+          <ac:chgData name="Usuario invitado" userId="" providerId="Windows Live" clId="Web-{33BEE99A-377C-4833-9000-DA79E0E48E3E}" dt="2021-10-05T12:26:50.157" v="2"/>
+          <ac:picMkLst>
+            <pc:docMk/>
+            <pc:sldMk cId="3678915852" sldId="305"/>
+            <ac:picMk id="4" creationId="{0D9CB41C-A46D-4980-9FC2-A8C8BC4E7336}"/>
+          </ac:picMkLst>
+        </pc:picChg>
+        <pc:picChg chg="del mod">
+          <ac:chgData name="Usuario invitado" userId="" providerId="Windows Live" clId="Web-{33BEE99A-377C-4833-9000-DA79E0E48E3E}" dt="2021-10-05T12:26:51.141" v="6"/>
+          <ac:picMkLst>
+            <pc:docMk/>
+            <pc:sldMk cId="3678915852" sldId="305"/>
+            <ac:picMk id="5" creationId="{802612FD-D0F6-49EC-A3F0-D87FC57AA29C}"/>
+          </ac:picMkLst>
+        </pc:picChg>
+        <pc:picChg chg="del">
+          <ac:chgData name="Usuario invitado" userId="" providerId="Windows Live" clId="Web-{33BEE99A-377C-4833-9000-DA79E0E48E3E}" dt="2021-10-05T12:26:49.547" v="1"/>
+          <ac:picMkLst>
+            <pc:docMk/>
+            <pc:sldMk cId="3678915852" sldId="305"/>
+            <ac:picMk id="9" creationId="{771A8506-84A2-4017-9C58-12FFAA5590CB}"/>
+          </ac:picMkLst>
+        </pc:picChg>
+        <pc:picChg chg="add mod">
+          <ac:chgData name="Usuario invitado" userId="" providerId="Windows Live" clId="Web-{33BEE99A-377C-4833-9000-DA79E0E48E3E}" dt="2021-10-05T12:35:57.623" v="142" actId="14100"/>
+          <ac:picMkLst>
+            <pc:docMk/>
+            <pc:sldMk cId="3678915852" sldId="305"/>
+            <ac:picMk id="10" creationId="{3CE689DA-B98B-456A-B201-338F3A3AC78F}"/>
+          </ac:picMkLst>
+        </pc:picChg>
+        <pc:picChg chg="del">
+          <ac:chgData name="Usuario invitado" userId="" providerId="Windows Live" clId="Web-{33BEE99A-377C-4833-9000-DA79E0E48E3E}" dt="2021-10-05T12:26:51.860" v="7"/>
+          <ac:picMkLst>
+            <pc:docMk/>
+            <pc:sldMk cId="3678915852" sldId="305"/>
+            <ac:picMk id="11" creationId="{F15527FE-2A49-4BA7-9D2A-9AAA154F73F5}"/>
+          </ac:picMkLst>
+        </pc:picChg>
+        <pc:picChg chg="add mod">
+          <ac:chgData name="Usuario invitado" userId="" providerId="Windows Live" clId="Web-{33BEE99A-377C-4833-9000-DA79E0E48E3E}" dt="2021-10-05T12:35:46.685" v="139" actId="1076"/>
+          <ac:picMkLst>
+            <pc:docMk/>
+            <pc:sldMk cId="3678915852" sldId="305"/>
+            <ac:picMk id="12" creationId="{3F6635FF-5FE9-442E-9130-3FCCB062AC0B}"/>
+          </ac:picMkLst>
+        </pc:picChg>
+        <pc:picChg chg="del">
+          <ac:chgData name="Usuario invitado" userId="" providerId="Windows Live" clId="Web-{33BEE99A-377C-4833-9000-DA79E0E48E3E}" dt="2021-10-05T12:26:50.438" v="3"/>
+          <ac:picMkLst>
+            <pc:docMk/>
+            <pc:sldMk cId="3678915852" sldId="305"/>
+            <ac:picMk id="18" creationId="{CE471EBB-64CC-4739-B34D-584905B31DC8}"/>
+          </ac:picMkLst>
+        </pc:picChg>
+        <pc:picChg chg="del">
+          <ac:chgData name="Usuario invitado" userId="" providerId="Windows Live" clId="Web-{33BEE99A-377C-4833-9000-DA79E0E48E3E}" dt="2021-10-05T12:26:50.797" v="4"/>
+          <ac:picMkLst>
+            <pc:docMk/>
+            <pc:sldMk cId="3678915852" sldId="305"/>
+            <ac:picMk id="20" creationId="{99EC4805-9468-4D2D-A0BF-F3DE721E05C5}"/>
+          </ac:picMkLst>
+        </pc:picChg>
+      </pc:sldChg>
+    </pc:docChg>
+  </pc:docChgLst>
   <pc:docChgLst>
     <pc:chgData name="Usuario invitado" providerId="Windows Live" clId="Web-{B164B670-0146-4122-8EB5-41E6C7199886}"/>
     <pc:docChg chg="modSld">
@@ -3258,7 +3357,7 @@
           <a:p>
             <a:fld id="{D092F686-623C-4757-A541-1293DA8AD078}" type="datetimeFigureOut">
               <a:rPr lang="es-ES" smtClean="0"/>
-              <a:t>01/10/2021</a:t>
+              <a:t>05/10/2021</a:t>
             </a:fld>
             <a:endParaRPr lang="es-ES"/>
           </a:p>
@@ -4029,6 +4128,90 @@
 </p:notes>
 </file>
 
+<file path=ppt/notesSlides/notesSlide7.xml><?xml version="1.0" encoding="utf-8"?>
+<p:notes xmlns:a="http://schemas.openxmlformats.org/drawingml/2006/main" xmlns:r="http://schemas.openxmlformats.org/officeDocument/2006/relationships" xmlns:p="http://schemas.openxmlformats.org/presentationml/2006/main">
+  <p:cSld>
+    <p:spTree>
+      <p:nvGrpSpPr>
+        <p:cNvPr id="1" name=""/>
+        <p:cNvGrpSpPr/>
+        <p:nvPr/>
+      </p:nvGrpSpPr>
+      <p:grpSpPr>
+        <a:xfrm>
+          <a:off x="0" y="0"/>
+          <a:ext cx="0" cy="0"/>
+          <a:chOff x="0" y="0"/>
+          <a:chExt cx="0" cy="0"/>
+        </a:xfrm>
+      </p:grpSpPr>
+      <p:sp>
+        <p:nvSpPr>
+          <p:cNvPr id="2" name="Marcador de imagen de diapositiva 1"/>
+          <p:cNvSpPr>
+            <a:spLocks noGrp="1" noRot="1" noChangeAspect="1"/>
+          </p:cNvSpPr>
+          <p:nvPr>
+            <p:ph type="sldImg"/>
+          </p:nvPr>
+        </p:nvSpPr>
+        <p:spPr/>
+      </p:sp>
+      <p:sp>
+        <p:nvSpPr>
+          <p:cNvPr id="3" name="Marcador de notas 2"/>
+          <p:cNvSpPr>
+            <a:spLocks noGrp="1"/>
+          </p:cNvSpPr>
+          <p:nvPr>
+            <p:ph type="body" idx="1"/>
+          </p:nvPr>
+        </p:nvSpPr>
+        <p:spPr/>
+        <p:txBody>
+          <a:bodyPr/>
+          <a:lstStyle/>
+          <a:p>
+            <a:endParaRPr lang="es-ES"/>
+          </a:p>
+        </p:txBody>
+      </p:sp>
+      <p:sp>
+        <p:nvSpPr>
+          <p:cNvPr id="4" name="Marcador de número de diapositiva 3"/>
+          <p:cNvSpPr>
+            <a:spLocks noGrp="1"/>
+          </p:cNvSpPr>
+          <p:nvPr>
+            <p:ph type="sldNum" sz="quarter" idx="5"/>
+          </p:nvPr>
+        </p:nvSpPr>
+        <p:spPr/>
+        <p:txBody>
+          <a:bodyPr/>
+          <a:lstStyle/>
+          <a:p>
+            <a:fld id="{BD6AB4B3-977E-4280-8CC7-6B85BBBA4943}" type="slidenum">
+              <a:rPr lang="es-ES" smtClean="0"/>
+              <a:t>14</a:t>
+            </a:fld>
+            <a:endParaRPr lang="es-ES"/>
+          </a:p>
+        </p:txBody>
+      </p:sp>
+    </p:spTree>
+    <p:extLst>
+      <p:ext uri="{BB962C8B-B14F-4D97-AF65-F5344CB8AC3E}">
+        <p14:creationId xmlns:p14="http://schemas.microsoft.com/office/powerpoint/2010/main" val="3492369983"/>
+      </p:ext>
+    </p:extLst>
+  </p:cSld>
+  <p:clrMapOvr>
+    <a:masterClrMapping/>
+  </p:clrMapOvr>
+</p:notes>
+</file>
+
 <file path=ppt/slideLayouts/slideLayout1.xml><?xml version="1.0" encoding="utf-8"?>
 <p:sldLayout xmlns:a="http://schemas.openxmlformats.org/drawingml/2006/main" xmlns:r="http://schemas.openxmlformats.org/officeDocument/2006/relationships" xmlns:p="http://schemas.openxmlformats.org/presentationml/2006/main" type="title" preserve="1">
   <p:cSld name="Diapositiva de título">
@@ -4176,7 +4359,7 @@
           <a:p>
             <a:fld id="{1A2BF7BA-58BD-4F62-957B-590A6AFA38C6}" type="datetime1">
               <a:rPr lang="es-ES" smtClean="0"/>
-              <a:t>01/10/2021</a:t>
+              <a:t>05/10/2021</a:t>
             </a:fld>
             <a:endParaRPr lang="es-ES"/>
           </a:p>
@@ -4374,7 +4557,7 @@
           <a:p>
             <a:fld id="{4C52D23C-DB10-4853-84C5-9A6B6E51F6FD}" type="datetime1">
               <a:rPr lang="es-ES" smtClean="0"/>
-              <a:t>01/10/2021</a:t>
+              <a:t>05/10/2021</a:t>
             </a:fld>
             <a:endParaRPr lang="es-ES"/>
           </a:p>
@@ -4582,7 +4765,7 @@
           <a:p>
             <a:fld id="{405E003B-D34E-465F-A2DA-F56754EF9919}" type="datetime1">
               <a:rPr lang="es-ES" smtClean="0"/>
-              <a:t>01/10/2021</a:t>
+              <a:t>05/10/2021</a:t>
             </a:fld>
             <a:endParaRPr lang="es-ES"/>
           </a:p>
@@ -4780,7 +4963,7 @@
           <a:p>
             <a:fld id="{1FD9FFF5-3F78-4408-8E64-5F07FC3FDCA3}" type="datetime1">
               <a:rPr lang="es-ES" smtClean="0"/>
-              <a:t>01/10/2021</a:t>
+              <a:t>05/10/2021</a:t>
             </a:fld>
             <a:endParaRPr lang="es-ES"/>
           </a:p>
@@ -5055,7 +5238,7 @@
           <a:p>
             <a:fld id="{FEDAB0F6-6A7E-442B-A7EF-C5EE6D0880F2}" type="datetime1">
               <a:rPr lang="es-ES" smtClean="0"/>
-              <a:t>01/10/2021</a:t>
+              <a:t>05/10/2021</a:t>
             </a:fld>
             <a:endParaRPr lang="es-ES"/>
           </a:p>
@@ -5320,7 +5503,7 @@
           <a:p>
             <a:fld id="{5B34D57F-3127-4547-B930-10D18076BE75}" type="datetime1">
               <a:rPr lang="es-ES" smtClean="0"/>
-              <a:t>01/10/2021</a:t>
+              <a:t>05/10/2021</a:t>
             </a:fld>
             <a:endParaRPr lang="es-ES"/>
           </a:p>
@@ -5732,7 +5915,7 @@
           <a:p>
             <a:fld id="{376DFDDE-3EFB-41E5-93F6-A27D785797C6}" type="datetime1">
               <a:rPr lang="es-ES" smtClean="0"/>
-              <a:t>01/10/2021</a:t>
+              <a:t>05/10/2021</a:t>
             </a:fld>
             <a:endParaRPr lang="es-ES"/>
           </a:p>
@@ -5873,7 +6056,7 @@
           <a:p>
             <a:fld id="{04E9F7D8-43A8-439C-AE72-985B776EB725}" type="datetime1">
               <a:rPr lang="es-ES" smtClean="0"/>
-              <a:t>01/10/2021</a:t>
+              <a:t>05/10/2021</a:t>
             </a:fld>
             <a:endParaRPr lang="es-ES"/>
           </a:p>
@@ -5986,7 +6169,7 @@
           <a:p>
             <a:fld id="{FCE80865-26A4-47C8-B11A-B6F4CC51B96A}" type="datetime1">
               <a:rPr lang="es-ES" smtClean="0"/>
-              <a:t>01/10/2021</a:t>
+              <a:t>05/10/2021</a:t>
             </a:fld>
             <a:endParaRPr lang="es-ES"/>
           </a:p>
@@ -6297,7 +6480,7 @@
           <a:p>
             <a:fld id="{8D5CFCA4-1B2D-4D66-8EB4-FD834ADFA5EB}" type="datetime1">
               <a:rPr lang="es-ES" smtClean="0"/>
-              <a:t>01/10/2021</a:t>
+              <a:t>05/10/2021</a:t>
             </a:fld>
             <a:endParaRPr lang="es-ES"/>
           </a:p>
@@ -6585,7 +6768,7 @@
           <a:p>
             <a:fld id="{51D0EEBD-ECCB-49DE-A7C9-92FDE3AE2785}" type="datetime1">
               <a:rPr lang="es-ES" smtClean="0"/>
-              <a:t>01/10/2021</a:t>
+              <a:t>05/10/2021</a:t>
             </a:fld>
             <a:endParaRPr lang="es-ES"/>
           </a:p>
@@ -6826,7 +7009,7 @@
           <a:p>
             <a:fld id="{8F611F4B-F8F3-43F5-8019-91E0A896E969}" type="datetime1">
               <a:rPr lang="es-ES" smtClean="0"/>
-              <a:t>01/10/2021</a:t>
+              <a:t>05/10/2021</a:t>
             </a:fld>
             <a:endParaRPr lang="es-ES"/>
           </a:p>
@@ -8692,6 +8875,498 @@
       <p:bldP spid="18" grpId="0"/>
     </p:bldLst>
   </p:timing>
+</p:sld>
+</file>
+
+<file path=ppt/slides/slide14.xml><?xml version="1.0" encoding="utf-8"?>
+<p:sld xmlns:a="http://schemas.openxmlformats.org/drawingml/2006/main" xmlns:r="http://schemas.openxmlformats.org/officeDocument/2006/relationships" xmlns:p="http://schemas.openxmlformats.org/presentationml/2006/main">
+  <p:cSld>
+    <p:spTree>
+      <p:nvGrpSpPr>
+        <p:cNvPr id="1" name=""/>
+        <p:cNvGrpSpPr/>
+        <p:nvPr/>
+      </p:nvGrpSpPr>
+      <p:grpSpPr>
+        <a:xfrm>
+          <a:off x="0" y="0"/>
+          <a:ext cx="0" cy="0"/>
+          <a:chOff x="0" y="0"/>
+          <a:chExt cx="0" cy="0"/>
+        </a:xfrm>
+      </p:grpSpPr>
+      <p:sp>
+        <p:nvSpPr>
+          <p:cNvPr id="2" name="Título 1">
+            <a:extLst>
+              <a:ext uri="{FF2B5EF4-FFF2-40B4-BE49-F238E27FC236}">
+                <a16:creationId xmlns:a16="http://schemas.microsoft.com/office/drawing/2014/main" id="{9AE3B19C-5EFA-4864-BCDE-9F4759131C26}"/>
+              </a:ext>
+            </a:extLst>
+          </p:cNvPr>
+          <p:cNvSpPr>
+            <a:spLocks noGrp="1"/>
+          </p:cNvSpPr>
+          <p:nvPr>
+            <p:ph type="title"/>
+          </p:nvPr>
+        </p:nvSpPr>
+        <p:spPr>
+          <a:xfrm>
+            <a:off x="838199" y="338913"/>
+            <a:ext cx="9753601" cy="518337"/>
+          </a:xfrm>
+        </p:spPr>
+        <p:txBody>
+          <a:bodyPr>
+            <a:normAutofit fontScale="90000"/>
+          </a:bodyPr>
+          <a:lstStyle/>
+          <a:p>
+            <a:r>
+              <a:rPr lang="es-ES" dirty="0">
+                <a:solidFill>
+                  <a:srgbClr val="0070C0"/>
+                </a:solidFill>
+              </a:rPr>
+              <a:t>Batería de </a:t>
+            </a:r>
+            <a:r>
+              <a:rPr lang="es-ES" dirty="0" err="1">
+                <a:solidFill>
+                  <a:srgbClr val="0070C0"/>
+                </a:solidFill>
+              </a:rPr>
+              <a:t>tests</a:t>
+            </a:r>
+          </a:p>
+        </p:txBody>
+      </p:sp>
+      <p:sp>
+        <p:nvSpPr>
+          <p:cNvPr id="7" name="CuadroTexto 6">
+            <a:extLst>
+              <a:ext uri="{FF2B5EF4-FFF2-40B4-BE49-F238E27FC236}">
+                <a16:creationId xmlns:a16="http://schemas.microsoft.com/office/drawing/2014/main" id="{64A0AAEB-0B42-4EE1-BABE-DBC24EFCB515}"/>
+              </a:ext>
+            </a:extLst>
+          </p:cNvPr>
+          <p:cNvSpPr txBox="1"/>
+          <p:nvPr/>
+        </p:nvSpPr>
+        <p:spPr>
+          <a:xfrm>
+            <a:off x="2251787" y="6461137"/>
+            <a:ext cx="7688425" cy="369332"/>
+          </a:xfrm>
+          <a:prstGeom prst="rect">
+            <a:avLst/>
+          </a:prstGeom>
+          <a:noFill/>
+        </p:spPr>
+        <p:txBody>
+          <a:bodyPr wrap="square" rtlCol="0">
+            <a:spAutoFit/>
+          </a:bodyPr>
+          <a:lstStyle/>
+          <a:p>
+            <a:pPr algn="ctr"/>
+            <a:r>
+              <a:rPr lang="es-ES" sz="1800"/>
+              <a:t>Generación de Números y Variables Aleatorias</a:t>
+            </a:r>
+            <a:endParaRPr lang="es-ES">
+              <a:solidFill>
+                <a:schemeClr val="bg2">
+                  <a:lumMod val="50000"/>
+                </a:schemeClr>
+              </a:solidFill>
+            </a:endParaRPr>
+          </a:p>
+        </p:txBody>
+      </p:sp>
+      <p:sp>
+        <p:nvSpPr>
+          <p:cNvPr id="6" name="Marcador de contenido 5">
+            <a:extLst>
+              <a:ext uri="{FF2B5EF4-FFF2-40B4-BE49-F238E27FC236}">
+                <a16:creationId xmlns:a16="http://schemas.microsoft.com/office/drawing/2014/main" id="{FA831DB7-E5AB-41D9-A7CE-A8DCB00F9E69}"/>
+              </a:ext>
+            </a:extLst>
+          </p:cNvPr>
+          <p:cNvSpPr>
+            <a:spLocks noGrp="1"/>
+          </p:cNvSpPr>
+          <p:nvPr>
+            <p:ph idx="1"/>
+          </p:nvPr>
+        </p:nvSpPr>
+        <p:spPr>
+          <a:xfrm>
+            <a:off x="876300" y="984805"/>
+            <a:ext cx="9577388" cy="4075113"/>
+          </a:xfrm>
+        </p:spPr>
+        <p:txBody>
+          <a:bodyPr>
+            <a:normAutofit/>
+          </a:bodyPr>
+          <a:lstStyle/>
+          <a:p>
+            <a:pPr marL="0" indent="0">
+              <a:buNone/>
+            </a:pPr>
+            <a:endParaRPr lang="es-ES">
+              <a:cs typeface="Adobe Arabic" panose="02040503050201020203" pitchFamily="18" charset="-78"/>
+            </a:endParaRPr>
+          </a:p>
+          <a:p>
+            <a:endParaRPr lang="es-ES">
+              <a:cs typeface="Adobe Arabic" panose="02040503050201020203" pitchFamily="18" charset="-78"/>
+            </a:endParaRPr>
+          </a:p>
+        </p:txBody>
+      </p:sp>
+      <p:sp>
+        <p:nvSpPr>
+          <p:cNvPr id="8" name="Marcador de número de diapositiva 8">
+            <a:extLst>
+              <a:ext uri="{FF2B5EF4-FFF2-40B4-BE49-F238E27FC236}">
+                <a16:creationId xmlns:a16="http://schemas.microsoft.com/office/drawing/2014/main" id="{4294E73A-FBC9-44CB-8D34-255533F8750C}"/>
+              </a:ext>
+            </a:extLst>
+          </p:cNvPr>
+          <p:cNvSpPr txBox="1">
+            <a:spLocks/>
+          </p:cNvSpPr>
+          <p:nvPr/>
+        </p:nvSpPr>
+        <p:spPr>
+          <a:xfrm>
+            <a:off x="9402148" y="6444474"/>
+            <a:ext cx="2743200" cy="365125"/>
+          </a:xfrm>
+          <a:prstGeom prst="rect">
+            <a:avLst/>
+          </a:prstGeom>
+        </p:spPr>
+        <p:txBody>
+          <a:bodyPr vert="horz" lIns="91440" tIns="45720" rIns="91440" bIns="45720" rtlCol="0" anchor="ctr"/>
+          <a:lstStyle>
+            <a:defPPr>
+              <a:defRPr lang="es-ES"/>
+            </a:defPPr>
+            <a:lvl1pPr marL="0" algn="r" defTabSz="914400" rtl="0" eaLnBrk="1" latinLnBrk="0" hangingPunct="1">
+              <a:defRPr sz="1200" kern="1200">
+                <a:solidFill>
+                  <a:schemeClr val="tx1">
+                    <a:tint val="75000"/>
+                  </a:schemeClr>
+                </a:solidFill>
+                <a:latin typeface="+mn-lt"/>
+                <a:ea typeface="+mn-ea"/>
+                <a:cs typeface="+mn-cs"/>
+              </a:defRPr>
+            </a:lvl1pPr>
+            <a:lvl2pPr marL="457200" algn="l" defTabSz="914400" rtl="0" eaLnBrk="1" latinLnBrk="0" hangingPunct="1">
+              <a:defRPr sz="1800" kern="1200">
+                <a:solidFill>
+                  <a:schemeClr val="tx1"/>
+                </a:solidFill>
+                <a:latin typeface="+mn-lt"/>
+                <a:ea typeface="+mn-ea"/>
+                <a:cs typeface="+mn-cs"/>
+              </a:defRPr>
+            </a:lvl2pPr>
+            <a:lvl3pPr marL="914400" algn="l" defTabSz="914400" rtl="0" eaLnBrk="1" latinLnBrk="0" hangingPunct="1">
+              <a:defRPr sz="1800" kern="1200">
+                <a:solidFill>
+                  <a:schemeClr val="tx1"/>
+                </a:solidFill>
+                <a:latin typeface="+mn-lt"/>
+                <a:ea typeface="+mn-ea"/>
+                <a:cs typeface="+mn-cs"/>
+              </a:defRPr>
+            </a:lvl3pPr>
+            <a:lvl4pPr marL="1371600" algn="l" defTabSz="914400" rtl="0" eaLnBrk="1" latinLnBrk="0" hangingPunct="1">
+              <a:defRPr sz="1800" kern="1200">
+                <a:solidFill>
+                  <a:schemeClr val="tx1"/>
+                </a:solidFill>
+                <a:latin typeface="+mn-lt"/>
+                <a:ea typeface="+mn-ea"/>
+                <a:cs typeface="+mn-cs"/>
+              </a:defRPr>
+            </a:lvl4pPr>
+            <a:lvl5pPr marL="1828800" algn="l" defTabSz="914400" rtl="0" eaLnBrk="1" latinLnBrk="0" hangingPunct="1">
+              <a:defRPr sz="1800" kern="1200">
+                <a:solidFill>
+                  <a:schemeClr val="tx1"/>
+                </a:solidFill>
+                <a:latin typeface="+mn-lt"/>
+                <a:ea typeface="+mn-ea"/>
+                <a:cs typeface="+mn-cs"/>
+              </a:defRPr>
+            </a:lvl5pPr>
+            <a:lvl6pPr marL="2286000" algn="l" defTabSz="914400" rtl="0" eaLnBrk="1" latinLnBrk="0" hangingPunct="1">
+              <a:defRPr sz="1800" kern="1200">
+                <a:solidFill>
+                  <a:schemeClr val="tx1"/>
+                </a:solidFill>
+                <a:latin typeface="+mn-lt"/>
+                <a:ea typeface="+mn-ea"/>
+                <a:cs typeface="+mn-cs"/>
+              </a:defRPr>
+            </a:lvl6pPr>
+            <a:lvl7pPr marL="2743200" algn="l" defTabSz="914400" rtl="0" eaLnBrk="1" latinLnBrk="0" hangingPunct="1">
+              <a:defRPr sz="1800" kern="1200">
+                <a:solidFill>
+                  <a:schemeClr val="tx1"/>
+                </a:solidFill>
+                <a:latin typeface="+mn-lt"/>
+                <a:ea typeface="+mn-ea"/>
+                <a:cs typeface="+mn-cs"/>
+              </a:defRPr>
+            </a:lvl7pPr>
+            <a:lvl8pPr marL="3200400" algn="l" defTabSz="914400" rtl="0" eaLnBrk="1" latinLnBrk="0" hangingPunct="1">
+              <a:defRPr sz="1800" kern="1200">
+                <a:solidFill>
+                  <a:schemeClr val="tx1"/>
+                </a:solidFill>
+                <a:latin typeface="+mn-lt"/>
+                <a:ea typeface="+mn-ea"/>
+                <a:cs typeface="+mn-cs"/>
+              </a:defRPr>
+            </a:lvl8pPr>
+            <a:lvl9pPr marL="3657600" algn="l" defTabSz="914400" rtl="0" eaLnBrk="1" latinLnBrk="0" hangingPunct="1">
+              <a:defRPr sz="1800" kern="1200">
+                <a:solidFill>
+                  <a:schemeClr val="tx1"/>
+                </a:solidFill>
+                <a:latin typeface="+mn-lt"/>
+                <a:ea typeface="+mn-ea"/>
+                <a:cs typeface="+mn-cs"/>
+              </a:defRPr>
+            </a:lvl9pPr>
+          </a:lstStyle>
+          <a:p>
+            <a:fld id="{034A2469-CE07-4E21-88F9-8436BB41227F}" type="slidenum">
+              <a:rPr lang="es-ES" sz="1800" smtClean="0"/>
+              <a:pPr/>
+              <a:t>14</a:t>
+            </a:fld>
+            <a:r>
+              <a:rPr lang="es-ES" sz="1800"/>
+              <a:t>/16</a:t>
+            </a:r>
+            <a:endParaRPr lang="es-ES"/>
+          </a:p>
+        </p:txBody>
+      </p:sp>
+      <p:sp>
+        <p:nvSpPr>
+          <p:cNvPr id="3" name="CuadroTexto 2">
+            <a:extLst>
+              <a:ext uri="{FF2B5EF4-FFF2-40B4-BE49-F238E27FC236}">
+                <a16:creationId xmlns:a16="http://schemas.microsoft.com/office/drawing/2014/main" id="{A44F9D6B-FEBD-43C1-AC52-3976DDF97A42}"/>
+              </a:ext>
+            </a:extLst>
+          </p:cNvPr>
+          <p:cNvSpPr txBox="1"/>
+          <p:nvPr/>
+        </p:nvSpPr>
+        <p:spPr>
+          <a:xfrm>
+            <a:off x="878114" y="1984828"/>
+            <a:ext cx="8603341" cy="3108543"/>
+          </a:xfrm>
+          <a:prstGeom prst="rect">
+            <a:avLst/>
+          </a:prstGeom>
+          <a:noFill/>
+        </p:spPr>
+        <p:txBody>
+          <a:bodyPr rot="0" spcFirstLastPara="0" vertOverflow="overflow" horzOverflow="overflow" vert="horz" wrap="square" lIns="91440" tIns="45720" rIns="91440" bIns="45720" numCol="1" spcCol="0" rtlCol="0" fromWordArt="0" anchor="t" anchorCtr="0" forceAA="0" compatLnSpc="1">
+            <a:prstTxWarp prst="textNoShape">
+              <a:avLst/>
+            </a:prstTxWarp>
+            <a:spAutoFit/>
+          </a:bodyPr>
+          <a:lstStyle/>
+          <a:p>
+            <a:pPr marL="285750" indent="-285750">
+              <a:buFont typeface="Arial"/>
+              <a:buChar char="•"/>
+            </a:pPr>
+            <a:r>
+              <a:rPr lang="es-ES" sz="2800" dirty="0"/>
+              <a:t>Cinco muestras de cinco semillas distintas</a:t>
+            </a:r>
+          </a:p>
+          <a:p>
+            <a:pPr marL="285750" indent="-285750">
+              <a:buFont typeface="Arial"/>
+              <a:buChar char="•"/>
+            </a:pPr>
+            <a:r>
+              <a:rPr lang="es-ES" sz="2800" dirty="0"/>
+              <a:t>Las semillas 0 y 1 fallan todos los </a:t>
+            </a:r>
+            <a:r>
+              <a:rPr lang="es-ES" sz="2800" dirty="0" err="1"/>
+              <a:t>tests</a:t>
+            </a:r>
+            <a:endParaRPr lang="es-ES" sz="2800" dirty="0"/>
+          </a:p>
+          <a:p>
+            <a:pPr marL="285750" indent="-285750">
+              <a:buFont typeface="Arial"/>
+              <a:buChar char="•"/>
+            </a:pPr>
+            <a:r>
+              <a:rPr lang="es-ES" sz="2800" dirty="0"/>
+              <a:t>El resto fallan tres </a:t>
+            </a:r>
+            <a:r>
+              <a:rPr lang="es-ES" sz="2800" dirty="0" err="1"/>
+              <a:t>tests</a:t>
+            </a:r>
+            <a:r>
+              <a:rPr lang="es-ES" sz="2800" dirty="0"/>
+              <a:t>:</a:t>
+            </a:r>
+          </a:p>
+          <a:p>
+            <a:pPr marL="742950" lvl="1" indent="-285750">
+              <a:buFont typeface="Arial"/>
+              <a:buChar char="•"/>
+            </a:pPr>
+            <a:r>
+              <a:rPr lang="es-ES" sz="2800" dirty="0" err="1">
+                <a:ea typeface="+mn-lt"/>
+                <a:cs typeface="+mn-lt"/>
+              </a:rPr>
+              <a:t>BirthdaySpacings</a:t>
+            </a:r>
+            <a:endParaRPr lang="es-ES" sz="2800">
+              <a:ea typeface="+mn-lt"/>
+              <a:cs typeface="+mn-lt"/>
+            </a:endParaRPr>
+          </a:p>
+          <a:p>
+            <a:pPr marL="742950" lvl="1" indent="-285750">
+              <a:buFont typeface="Arial"/>
+              <a:buChar char="•"/>
+            </a:pPr>
+            <a:r>
+              <a:rPr lang="es-ES" sz="2800" dirty="0" err="1">
+                <a:ea typeface="+mn-lt"/>
+                <a:cs typeface="+mn-lt"/>
+              </a:rPr>
+              <a:t>Collision</a:t>
+            </a:r>
+            <a:endParaRPr lang="es-ES" sz="2800">
+              <a:ea typeface="+mn-lt"/>
+              <a:cs typeface="+mn-lt"/>
+            </a:endParaRPr>
+          </a:p>
+          <a:p>
+            <a:pPr marL="742950" lvl="1" indent="-285750">
+              <a:buFont typeface="Arial"/>
+              <a:buChar char="•"/>
+            </a:pPr>
+            <a:r>
+              <a:rPr lang="es-ES" sz="2800" dirty="0" err="1"/>
+              <a:t>MaxOft</a:t>
+            </a:r>
+            <a:endParaRPr lang="es-ES" sz="2800" dirty="0"/>
+          </a:p>
+          <a:p>
+            <a:pPr marL="285750" indent="-285750">
+              <a:buFont typeface="Arial"/>
+              <a:buChar char="•"/>
+            </a:pPr>
+            <a:r>
+              <a:rPr lang="es-ES" sz="2800" dirty="0" err="1"/>
+              <a:t>Eps</a:t>
+            </a:r>
+            <a:r>
+              <a:rPr lang="es-ES" sz="2800" dirty="0"/>
+              <a:t> -&gt; p-valor &lt; 10^-300</a:t>
+            </a:r>
+          </a:p>
+        </p:txBody>
+      </p:sp>
+      <p:pic>
+        <p:nvPicPr>
+          <p:cNvPr id="10" name="Imagen 11" descr="Forma&#10;&#10;Descripción generada automáticamente">
+            <a:extLst>
+              <a:ext uri="{FF2B5EF4-FFF2-40B4-BE49-F238E27FC236}">
+                <a16:creationId xmlns:a16="http://schemas.microsoft.com/office/drawing/2014/main" id="{3CE689DA-B98B-456A-B201-338F3A3AC78F}"/>
+              </a:ext>
+            </a:extLst>
+          </p:cNvPr>
+          <p:cNvPicPr>
+            <a:picLocks noChangeAspect="1"/>
+          </p:cNvPicPr>
+          <p:nvPr/>
+        </p:nvPicPr>
+        <p:blipFill>
+          <a:blip r:embed="rId3"/>
+          <a:stretch>
+            <a:fillRect/>
+          </a:stretch>
+        </p:blipFill>
+        <p:spPr>
+          <a:xfrm>
+            <a:off x="7128327" y="4533982"/>
+            <a:ext cx="4838699" cy="1663534"/>
+          </a:xfrm>
+          <a:prstGeom prst="rect">
+            <a:avLst/>
+          </a:prstGeom>
+        </p:spPr>
+      </p:pic>
+      <p:pic>
+        <p:nvPicPr>
+          <p:cNvPr id="12" name="Imagen 12" descr="Tabla&#10;&#10;Descripción generada automáticamente">
+            <a:extLst>
+              <a:ext uri="{FF2B5EF4-FFF2-40B4-BE49-F238E27FC236}">
+                <a16:creationId xmlns:a16="http://schemas.microsoft.com/office/drawing/2014/main" id="{3F6635FF-5FE9-442E-9130-3FCCB062AC0B}"/>
+              </a:ext>
+            </a:extLst>
+          </p:cNvPr>
+          <p:cNvPicPr>
+            <a:picLocks noChangeAspect="1"/>
+          </p:cNvPicPr>
+          <p:nvPr/>
+        </p:nvPicPr>
+        <p:blipFill>
+          <a:blip r:embed="rId4"/>
+          <a:stretch>
+            <a:fillRect/>
+          </a:stretch>
+        </p:blipFill>
+        <p:spPr>
+          <a:xfrm>
+            <a:off x="7128328" y="215489"/>
+            <a:ext cx="4838699" cy="3868878"/>
+          </a:xfrm>
+          <a:prstGeom prst="rect">
+            <a:avLst/>
+          </a:prstGeom>
+        </p:spPr>
+      </p:pic>
+    </p:spTree>
+    <p:extLst>
+      <p:ext uri="{BB962C8B-B14F-4D97-AF65-F5344CB8AC3E}">
+        <p14:creationId xmlns:p14="http://schemas.microsoft.com/office/powerpoint/2010/main" val="3678915852"/>
+      </p:ext>
+    </p:extLst>
+  </p:cSld>
+  <p:clrMapOvr>
+    <a:masterClrMapping/>
+  </p:clrMapOvr>
 </p:sld>
 </file>
 
